--- a/paper/figures/FigImg/FigImg.pptx
+++ b/paper/figures/FigImg/FigImg.pptx
@@ -192,7 +192,7 @@
           <a:p>
             <a:fld id="{74F8F8E7-1C29-4E1B-BF33-66D1A63F710E}" type="datetimeFigureOut">
               <a:rPr lang="zh-CN" altLang="en-US" smtClean="0"/>
-              <a:t>2017/7/6</a:t>
+              <a:t>2017/8/9</a:t>
             </a:fld>
             <a:endParaRPr lang="zh-CN" altLang="en-US"/>
           </a:p>
@@ -725,7 +725,7 @@
           <a:p>
             <a:fld id="{530820CF-B880-4189-942D-D702A7CBA730}" type="datetimeFigureOut">
               <a:rPr lang="zh-CN" altLang="en-US" smtClean="0"/>
-              <a:t>2017/7/6</a:t>
+              <a:t>2017/8/9</a:t>
             </a:fld>
             <a:endParaRPr lang="zh-CN" altLang="en-US"/>
           </a:p>
@@ -890,7 +890,7 @@
           <a:p>
             <a:fld id="{530820CF-B880-4189-942D-D702A7CBA730}" type="datetimeFigureOut">
               <a:rPr lang="zh-CN" altLang="en-US" smtClean="0"/>
-              <a:t>2017/7/6</a:t>
+              <a:t>2017/8/9</a:t>
             </a:fld>
             <a:endParaRPr lang="zh-CN" altLang="en-US"/>
           </a:p>
@@ -1065,7 +1065,7 @@
           <a:p>
             <a:fld id="{530820CF-B880-4189-942D-D702A7CBA730}" type="datetimeFigureOut">
               <a:rPr lang="zh-CN" altLang="en-US" smtClean="0"/>
-              <a:t>2017/7/6</a:t>
+              <a:t>2017/8/9</a:t>
             </a:fld>
             <a:endParaRPr lang="zh-CN" altLang="en-US"/>
           </a:p>
@@ -1230,7 +1230,7 @@
           <a:p>
             <a:fld id="{530820CF-B880-4189-942D-D702A7CBA730}" type="datetimeFigureOut">
               <a:rPr lang="zh-CN" altLang="en-US" smtClean="0"/>
-              <a:t>2017/7/6</a:t>
+              <a:t>2017/8/9</a:t>
             </a:fld>
             <a:endParaRPr lang="zh-CN" altLang="en-US"/>
           </a:p>
@@ -1471,7 +1471,7 @@
           <a:p>
             <a:fld id="{530820CF-B880-4189-942D-D702A7CBA730}" type="datetimeFigureOut">
               <a:rPr lang="zh-CN" altLang="en-US" smtClean="0"/>
-              <a:t>2017/7/6</a:t>
+              <a:t>2017/8/9</a:t>
             </a:fld>
             <a:endParaRPr lang="zh-CN" altLang="en-US"/>
           </a:p>
@@ -1754,7 +1754,7 @@
           <a:p>
             <a:fld id="{530820CF-B880-4189-942D-D702A7CBA730}" type="datetimeFigureOut">
               <a:rPr lang="zh-CN" altLang="en-US" smtClean="0"/>
-              <a:t>2017/7/6</a:t>
+              <a:t>2017/8/9</a:t>
             </a:fld>
             <a:endParaRPr lang="zh-CN" altLang="en-US"/>
           </a:p>
@@ -2171,7 +2171,7 @@
           <a:p>
             <a:fld id="{530820CF-B880-4189-942D-D702A7CBA730}" type="datetimeFigureOut">
               <a:rPr lang="zh-CN" altLang="en-US" smtClean="0"/>
-              <a:t>2017/7/6</a:t>
+              <a:t>2017/8/9</a:t>
             </a:fld>
             <a:endParaRPr lang="zh-CN" altLang="en-US"/>
           </a:p>
@@ -2284,7 +2284,7 @@
           <a:p>
             <a:fld id="{530820CF-B880-4189-942D-D702A7CBA730}" type="datetimeFigureOut">
               <a:rPr lang="zh-CN" altLang="en-US" smtClean="0"/>
-              <a:t>2017/7/6</a:t>
+              <a:t>2017/8/9</a:t>
             </a:fld>
             <a:endParaRPr lang="zh-CN" altLang="en-US"/>
           </a:p>
@@ -2374,7 +2374,7 @@
           <a:p>
             <a:fld id="{530820CF-B880-4189-942D-D702A7CBA730}" type="datetimeFigureOut">
               <a:rPr lang="zh-CN" altLang="en-US" smtClean="0"/>
-              <a:t>2017/7/6</a:t>
+              <a:t>2017/8/9</a:t>
             </a:fld>
             <a:endParaRPr lang="zh-CN" altLang="en-US"/>
           </a:p>
@@ -2646,7 +2646,7 @@
           <a:p>
             <a:fld id="{530820CF-B880-4189-942D-D702A7CBA730}" type="datetimeFigureOut">
               <a:rPr lang="zh-CN" altLang="en-US" smtClean="0"/>
-              <a:t>2017/7/6</a:t>
+              <a:t>2017/8/9</a:t>
             </a:fld>
             <a:endParaRPr lang="zh-CN" altLang="en-US"/>
           </a:p>
@@ -2894,7 +2894,7 @@
           <a:p>
             <a:fld id="{530820CF-B880-4189-942D-D702A7CBA730}" type="datetimeFigureOut">
               <a:rPr lang="zh-CN" altLang="en-US" smtClean="0"/>
-              <a:t>2017/7/6</a:t>
+              <a:t>2017/8/9</a:t>
             </a:fld>
             <a:endParaRPr lang="zh-CN" altLang="en-US"/>
           </a:p>
@@ -3102,7 +3102,7 @@
           <a:p>
             <a:fld id="{530820CF-B880-4189-942D-D702A7CBA730}" type="datetimeFigureOut">
               <a:rPr lang="zh-CN" altLang="en-US" smtClean="0"/>
-              <a:t>2017/7/6</a:t>
+              <a:t>2017/8/9</a:t>
             </a:fld>
             <a:endParaRPr lang="zh-CN" altLang="en-US"/>
           </a:p>
@@ -3474,14 +3474,14 @@
       </p:grpSpPr>
       <p:sp>
         <p:nvSpPr>
-          <p:cNvPr id="2" name="TextBox 1"/>
+          <p:cNvPr id="7" name="TextBox 6"/>
           <p:cNvSpPr txBox="1"/>
           <p:nvPr/>
         </p:nvSpPr>
         <p:spPr>
           <a:xfrm>
-            <a:off x="8101239" y="114298"/>
-            <a:ext cx="1080120" cy="369332"/>
+            <a:off x="5364932" y="9073133"/>
+            <a:ext cx="622068" cy="523220"/>
           </a:xfrm>
           <a:prstGeom prst="rect">
             <a:avLst/>
@@ -3495,23 +3495,29 @@
           <a:lstStyle/>
           <a:p>
             <a:r>
-              <a:rPr lang="en-US" altLang="zh-CN" dirty="0" smtClean="0"/>
-              <a:t>11242</a:t>
-            </a:r>
-            <a:endParaRPr lang="zh-CN" altLang="en-US" dirty="0"/>
-          </a:p>
-        </p:txBody>
-      </p:sp>
-      <p:sp>
-        <p:nvSpPr>
-          <p:cNvPr id="3" name="TextBox 2"/>
+              <a:rPr lang="en-US" altLang="zh-CN" sz="2800" dirty="0" smtClean="0">
+                <a:latin typeface="微软雅黑" panose="020B0503020204020204" pitchFamily="34" charset="-122"/>
+                <a:ea typeface="微软雅黑" panose="020B0503020204020204" pitchFamily="34" charset="-122"/>
+              </a:rPr>
+              <a:t>(a)</a:t>
+            </a:r>
+            <a:endParaRPr lang="zh-CN" altLang="en-US" sz="2800" dirty="0">
+              <a:latin typeface="微软雅黑" panose="020B0503020204020204" pitchFamily="34" charset="-122"/>
+              <a:ea typeface="微软雅黑" panose="020B0503020204020204" pitchFamily="34" charset="-122"/>
+            </a:endParaRPr>
+          </a:p>
+        </p:txBody>
+      </p:sp>
+      <p:sp>
+        <p:nvSpPr>
+          <p:cNvPr id="58" name="TextBox 57"/>
           <p:cNvSpPr txBox="1"/>
           <p:nvPr/>
         </p:nvSpPr>
         <p:spPr>
           <a:xfrm>
-            <a:off x="9518917" y="105481"/>
-            <a:ext cx="1025500" cy="369332"/>
+            <a:off x="8814858" y="9073133"/>
+            <a:ext cx="622068" cy="523220"/>
           </a:xfrm>
           <a:prstGeom prst="rect">
             <a:avLst/>
@@ -3525,18 +3531,60 @@
           <a:lstStyle/>
           <a:p>
             <a:r>
-              <a:rPr lang="en-US" altLang="zh-CN" dirty="0" smtClean="0"/>
-              <a:t>11447</a:t>
-            </a:r>
-            <a:endParaRPr lang="zh-CN" altLang="en-US" dirty="0"/>
+              <a:rPr lang="en-US" altLang="zh-CN" sz="2800" dirty="0" smtClean="0">
+                <a:latin typeface="微软雅黑" panose="020B0503020204020204" pitchFamily="34" charset="-122"/>
+                <a:ea typeface="微软雅黑" panose="020B0503020204020204" pitchFamily="34" charset="-122"/>
+              </a:rPr>
+              <a:t>(b)</a:t>
+            </a:r>
+            <a:endParaRPr lang="zh-CN" altLang="en-US" sz="2800" dirty="0">
+              <a:latin typeface="微软雅黑" panose="020B0503020204020204" pitchFamily="34" charset="-122"/>
+              <a:ea typeface="微软雅黑" panose="020B0503020204020204" pitchFamily="34" charset="-122"/>
+            </a:endParaRPr>
+          </a:p>
+        </p:txBody>
+      </p:sp>
+      <p:sp>
+        <p:nvSpPr>
+          <p:cNvPr id="60" name="TextBox 59"/>
+          <p:cNvSpPr txBox="1"/>
+          <p:nvPr/>
+        </p:nvSpPr>
+        <p:spPr>
+          <a:xfrm>
+            <a:off x="11871656" y="9073133"/>
+            <a:ext cx="622068" cy="523220"/>
+          </a:xfrm>
+          <a:prstGeom prst="rect">
+            <a:avLst/>
+          </a:prstGeom>
+          <a:noFill/>
+        </p:spPr>
+        <p:txBody>
+          <a:bodyPr wrap="square" rtlCol="0">
+            <a:spAutoFit/>
+          </a:bodyPr>
+          <a:lstStyle/>
+          <a:p>
+            <a:r>
+              <a:rPr lang="en-US" altLang="zh-CN" sz="2800" dirty="0" smtClean="0">
+                <a:latin typeface="微软雅黑" panose="020B0503020204020204" pitchFamily="34" charset="-122"/>
+                <a:ea typeface="微软雅黑" panose="020B0503020204020204" pitchFamily="34" charset="-122"/>
+              </a:rPr>
+              <a:t>(c)</a:t>
+            </a:r>
+            <a:endParaRPr lang="zh-CN" altLang="en-US" sz="2800" dirty="0">
+              <a:latin typeface="微软雅黑" panose="020B0503020204020204" pitchFamily="34" charset="-122"/>
+              <a:ea typeface="微软雅黑" panose="020B0503020204020204" pitchFamily="34" charset="-122"/>
+            </a:endParaRPr>
           </a:p>
         </p:txBody>
       </p:sp>
       <p:pic>
         <p:nvPicPr>
-          <p:cNvPr id="48" name="Picture 4" descr="F:\ML\CV\IS\vesicleSeg\dataset\img_seg\11242.png"/>
+          <p:cNvPr id="1026" name="Picture 2" descr="F:\ML\CV\IS\vesicleSeg\vesicle\data_build\dataset\crop_img\292.png"/>
           <p:cNvPicPr>
-            <a:picLocks noChangeArrowheads="1"/>
+            <a:picLocks noChangeAspect="1" noChangeArrowheads="1"/>
           </p:cNvPicPr>
           <p:nvPr/>
         </p:nvPicPr>
@@ -3555,7 +3603,7 @@
         </p:blipFill>
         <p:spPr bwMode="auto">
           <a:xfrm>
-            <a:off x="4428828" y="772575"/>
+            <a:off x="4140796" y="2880445"/>
             <a:ext cx="2952000" cy="2952000"/>
           </a:xfrm>
           <a:prstGeom prst="rect">
@@ -3573,9 +3621,39 @@
           </a:extLst>
         </p:spPr>
       </p:pic>
+      <p:sp>
+        <p:nvSpPr>
+          <p:cNvPr id="4" name="TextBox 3"/>
+          <p:cNvSpPr txBox="1"/>
+          <p:nvPr/>
+        </p:nvSpPr>
+        <p:spPr>
+          <a:xfrm>
+            <a:off x="612404" y="5112693"/>
+            <a:ext cx="648072" cy="369332"/>
+          </a:xfrm>
+          <a:prstGeom prst="rect">
+            <a:avLst/>
+          </a:prstGeom>
+          <a:noFill/>
+        </p:spPr>
+        <p:txBody>
+          <a:bodyPr wrap="square" rtlCol="0">
+            <a:spAutoFit/>
+          </a:bodyPr>
+          <a:lstStyle/>
+          <a:p>
+            <a:r>
+              <a:rPr lang="en-US" altLang="zh-CN" dirty="0" smtClean="0"/>
+              <a:t>292</a:t>
+            </a:r>
+            <a:endParaRPr lang="zh-CN" altLang="en-US" dirty="0"/>
+          </a:p>
+        </p:txBody>
+      </p:sp>
       <p:pic>
         <p:nvPicPr>
-          <p:cNvPr id="50" name="Picture 5" descr="F:\ML\CV\IS\vesicleSeg\dataset\img_seg\11447.png"/>
+          <p:cNvPr id="1034" name="Picture 10" descr="F:\ML\CV\IS\vesicleSeg\gland\data_build\img_gt\testA_19.png"/>
           <p:cNvPicPr>
             <a:picLocks noChangeAspect="1" noChangeArrowheads="1"/>
           </p:cNvPicPr>
@@ -3596,8 +3674,8 @@
         </p:blipFill>
         <p:spPr bwMode="auto">
           <a:xfrm>
-            <a:off x="4428829" y="3888558"/>
-            <a:ext cx="2952001" cy="2951999"/>
+            <a:off x="4140796" y="6048797"/>
+            <a:ext cx="2952000" cy="2952000"/>
           </a:xfrm>
           <a:prstGeom prst="rect">
             <a:avLst/>
@@ -3614,11 +3692,41 @@
           </a:extLst>
         </p:spPr>
       </p:pic>
+      <p:sp>
+        <p:nvSpPr>
+          <p:cNvPr id="5" name="TextBox 4"/>
+          <p:cNvSpPr txBox="1"/>
+          <p:nvPr/>
+        </p:nvSpPr>
+        <p:spPr>
+          <a:xfrm>
+            <a:off x="612404" y="7272933"/>
+            <a:ext cx="1800200" cy="369332"/>
+          </a:xfrm>
+          <a:prstGeom prst="rect">
+            <a:avLst/>
+          </a:prstGeom>
+          <a:noFill/>
+        </p:spPr>
+        <p:txBody>
+          <a:bodyPr wrap="square" rtlCol="0">
+            <a:spAutoFit/>
+          </a:bodyPr>
+          <a:lstStyle/>
+          <a:p>
+            <a:r>
+              <a:rPr lang="en-US" altLang="zh-CN" dirty="0" smtClean="0"/>
+              <a:t>testA19</a:t>
+            </a:r>
+            <a:endParaRPr lang="zh-CN" altLang="en-US" dirty="0"/>
+          </a:p>
+        </p:txBody>
+      </p:sp>
       <p:pic>
         <p:nvPicPr>
-          <p:cNvPr id="53" name="Picture 6" descr="F:\ML\CV\IS\vesicleSeg\code\methods\RPN\seg\11242pre.png"/>
+          <p:cNvPr id="1036" name="Picture 12"/>
           <p:cNvPicPr>
-            <a:picLocks noChangeAspect="1" noChangeArrowheads="1"/>
+            <a:picLocks noChangeArrowheads="1"/>
           </p:cNvPicPr>
           <p:nvPr/>
         </p:nvPicPr>
@@ -3637,29 +3745,42 @@
         </p:blipFill>
         <p:spPr bwMode="auto">
           <a:xfrm>
-            <a:off x="7525169" y="791457"/>
+            <a:off x="10553231" y="6048797"/>
             <a:ext cx="2952000" cy="2952000"/>
           </a:xfrm>
           <a:prstGeom prst="rect">
             <a:avLst/>
           </a:prstGeom>
           <a:noFill/>
+          <a:ln>
+            <a:noFill/>
+          </a:ln>
           <a:extLst>
             <a:ext uri="{909E8E84-426E-40DD-AFC4-6F175D3DCCD1}">
               <a14:hiddenFill xmlns:a14="http://schemas.microsoft.com/office/drawing/2010/main">
                 <a:solidFill>
-                  <a:srgbClr val="FFFFFF"/>
+                  <a:schemeClr val="accent1"/>
                 </a:solidFill>
               </a14:hiddenFill>
+            </a:ext>
+            <a:ext uri="{91240B29-F687-4F45-9708-019B960494DF}">
+              <a14:hiddenLine xmlns:a14="http://schemas.microsoft.com/office/drawing/2010/main" w="9525">
+                <a:solidFill>
+                  <a:schemeClr val="tx1"/>
+                </a:solidFill>
+                <a:miter lim="800000"/>
+                <a:headEnd/>
+                <a:tailEnd/>
+              </a14:hiddenLine>
             </a:ext>
           </a:extLst>
         </p:spPr>
       </p:pic>
       <p:pic>
         <p:nvPicPr>
-          <p:cNvPr id="54" name="Picture 7" descr="F:\ML\CV\IS\vesicleSeg\code\methods\RPN\seg\11447pre.png"/>
+          <p:cNvPr id="1037" name="Picture 13"/>
           <p:cNvPicPr>
-            <a:picLocks noChangeAspect="1" noChangeArrowheads="1"/>
+            <a:picLocks noChangeArrowheads="1"/>
           </p:cNvPicPr>
           <p:nvPr/>
         </p:nvPicPr>
@@ -3678,29 +3799,42 @@
         </p:blipFill>
         <p:spPr bwMode="auto">
           <a:xfrm>
-            <a:off x="7525172" y="3888557"/>
-            <a:ext cx="2952001" cy="2952000"/>
+            <a:off x="7347014" y="6048797"/>
+            <a:ext cx="2952000" cy="2952000"/>
           </a:xfrm>
           <a:prstGeom prst="rect">
             <a:avLst/>
           </a:prstGeom>
           <a:noFill/>
+          <a:ln>
+            <a:noFill/>
+          </a:ln>
           <a:extLst>
             <a:ext uri="{909E8E84-426E-40DD-AFC4-6F175D3DCCD1}">
               <a14:hiddenFill xmlns:a14="http://schemas.microsoft.com/office/drawing/2010/main">
                 <a:solidFill>
-                  <a:srgbClr val="FFFFFF"/>
+                  <a:schemeClr val="accent1"/>
                 </a:solidFill>
               </a14:hiddenFill>
+            </a:ext>
+            <a:ext uri="{91240B29-F687-4F45-9708-019B960494DF}">
+              <a14:hiddenLine xmlns:a14="http://schemas.microsoft.com/office/drawing/2010/main" w="9525">
+                <a:solidFill>
+                  <a:schemeClr val="tx1"/>
+                </a:solidFill>
+                <a:miter lim="800000"/>
+                <a:headEnd/>
+                <a:tailEnd/>
+              </a14:hiddenLine>
             </a:ext>
           </a:extLst>
         </p:spPr>
       </p:pic>
       <p:pic>
         <p:nvPicPr>
-          <p:cNvPr id="55" name="Picture 8" descr="F:\ML\CV\IS\vesicleSeg\dataset\crop_gt_re_vis\11242seg.png"/>
+          <p:cNvPr id="1038" name="Picture 14"/>
           <p:cNvPicPr>
-            <a:picLocks noChangeAspect="1" noChangeArrowheads="1"/>
+            <a:picLocks noChangeArrowheads="1"/>
           </p:cNvPicPr>
           <p:nvPr/>
         </p:nvPicPr>
@@ -3719,29 +3853,42 @@
         </p:blipFill>
         <p:spPr bwMode="auto">
           <a:xfrm>
-            <a:off x="10611678" y="772575"/>
+            <a:off x="7347014" y="2880445"/>
             <a:ext cx="2952000" cy="2952000"/>
           </a:xfrm>
           <a:prstGeom prst="rect">
             <a:avLst/>
           </a:prstGeom>
           <a:noFill/>
+          <a:ln>
+            <a:noFill/>
+          </a:ln>
           <a:extLst>
             <a:ext uri="{909E8E84-426E-40DD-AFC4-6F175D3DCCD1}">
               <a14:hiddenFill xmlns:a14="http://schemas.microsoft.com/office/drawing/2010/main">
                 <a:solidFill>
-                  <a:srgbClr val="FFFFFF"/>
+                  <a:schemeClr val="accent1"/>
                 </a:solidFill>
               </a14:hiddenFill>
+            </a:ext>
+            <a:ext uri="{91240B29-F687-4F45-9708-019B960494DF}">
+              <a14:hiddenLine xmlns:a14="http://schemas.microsoft.com/office/drawing/2010/main" w="9525">
+                <a:solidFill>
+                  <a:schemeClr val="tx1"/>
+                </a:solidFill>
+                <a:miter lim="800000"/>
+                <a:headEnd/>
+                <a:tailEnd/>
+              </a14:hiddenLine>
             </a:ext>
           </a:extLst>
         </p:spPr>
       </p:pic>
       <p:pic>
         <p:nvPicPr>
-          <p:cNvPr id="56" name="Picture 9" descr="F:\ML\CV\IS\vesicleSeg\dataset\crop_gt_re_vis\11447seg.png"/>
+          <p:cNvPr id="1039" name="Picture 15"/>
           <p:cNvPicPr>
-            <a:picLocks noChangeAspect="1" noChangeArrowheads="1"/>
+            <a:picLocks noChangeArrowheads="1"/>
           </p:cNvPicPr>
           <p:nvPr/>
         </p:nvPicPr>
@@ -3760,132 +3907,37 @@
         </p:blipFill>
         <p:spPr bwMode="auto">
           <a:xfrm>
-            <a:off x="10611679" y="3888557"/>
-            <a:ext cx="2952000" cy="2951999"/>
+            <a:off x="10553231" y="2880445"/>
+            <a:ext cx="2952000" cy="2952000"/>
           </a:xfrm>
           <a:prstGeom prst="rect">
             <a:avLst/>
           </a:prstGeom>
           <a:noFill/>
+          <a:ln>
+            <a:noFill/>
+          </a:ln>
           <a:extLst>
             <a:ext uri="{909E8E84-426E-40DD-AFC4-6F175D3DCCD1}">
               <a14:hiddenFill xmlns:a14="http://schemas.microsoft.com/office/drawing/2010/main">
                 <a:solidFill>
-                  <a:srgbClr val="FFFFFF"/>
+                  <a:schemeClr val="accent1"/>
                 </a:solidFill>
               </a14:hiddenFill>
+            </a:ext>
+            <a:ext uri="{91240B29-F687-4F45-9708-019B960494DF}">
+              <a14:hiddenLine xmlns:a14="http://schemas.microsoft.com/office/drawing/2010/main" w="9525">
+                <a:solidFill>
+                  <a:schemeClr val="tx1"/>
+                </a:solidFill>
+                <a:miter lim="800000"/>
+                <a:headEnd/>
+                <a:tailEnd/>
+              </a14:hiddenLine>
             </a:ext>
           </a:extLst>
         </p:spPr>
       </p:pic>
-      <p:sp>
-        <p:nvSpPr>
-          <p:cNvPr id="7" name="TextBox 6"/>
-          <p:cNvSpPr txBox="1"/>
-          <p:nvPr/>
-        </p:nvSpPr>
-        <p:spPr>
-          <a:xfrm>
-            <a:off x="5436940" y="7056909"/>
-            <a:ext cx="622068" cy="523220"/>
-          </a:xfrm>
-          <a:prstGeom prst="rect">
-            <a:avLst/>
-          </a:prstGeom>
-          <a:noFill/>
-        </p:spPr>
-        <p:txBody>
-          <a:bodyPr wrap="square" rtlCol="0">
-            <a:spAutoFit/>
-          </a:bodyPr>
-          <a:lstStyle/>
-          <a:p>
-            <a:r>
-              <a:rPr lang="en-US" altLang="zh-CN" sz="2800" dirty="0" smtClean="0">
-                <a:latin typeface="微软雅黑" panose="020B0503020204020204" pitchFamily="34" charset="-122"/>
-                <a:ea typeface="微软雅黑" panose="020B0503020204020204" pitchFamily="34" charset="-122"/>
-              </a:rPr>
-              <a:t>(a)</a:t>
-            </a:r>
-            <a:endParaRPr lang="zh-CN" altLang="en-US" sz="2800" dirty="0">
-              <a:latin typeface="微软雅黑" panose="020B0503020204020204" pitchFamily="34" charset="-122"/>
-              <a:ea typeface="微软雅黑" panose="020B0503020204020204" pitchFamily="34" charset="-122"/>
-            </a:endParaRPr>
-          </a:p>
-        </p:txBody>
-      </p:sp>
-      <p:sp>
-        <p:nvSpPr>
-          <p:cNvPr id="58" name="TextBox 57"/>
-          <p:cNvSpPr txBox="1"/>
-          <p:nvPr/>
-        </p:nvSpPr>
-        <p:spPr>
-          <a:xfrm>
-            <a:off x="8815726" y="7056909"/>
-            <a:ext cx="622068" cy="523220"/>
-          </a:xfrm>
-          <a:prstGeom prst="rect">
-            <a:avLst/>
-          </a:prstGeom>
-          <a:noFill/>
-        </p:spPr>
-        <p:txBody>
-          <a:bodyPr wrap="square" rtlCol="0">
-            <a:spAutoFit/>
-          </a:bodyPr>
-          <a:lstStyle/>
-          <a:p>
-            <a:r>
-              <a:rPr lang="en-US" altLang="zh-CN" sz="2800" dirty="0" smtClean="0">
-                <a:latin typeface="微软雅黑" panose="020B0503020204020204" pitchFamily="34" charset="-122"/>
-                <a:ea typeface="微软雅黑" panose="020B0503020204020204" pitchFamily="34" charset="-122"/>
-              </a:rPr>
-              <a:t>(b)</a:t>
-            </a:r>
-            <a:endParaRPr lang="zh-CN" altLang="en-US" sz="2800" dirty="0">
-              <a:latin typeface="微软雅黑" panose="020B0503020204020204" pitchFamily="34" charset="-122"/>
-              <a:ea typeface="微软雅黑" panose="020B0503020204020204" pitchFamily="34" charset="-122"/>
-            </a:endParaRPr>
-          </a:p>
-        </p:txBody>
-      </p:sp>
-      <p:sp>
-        <p:nvSpPr>
-          <p:cNvPr id="60" name="TextBox 59"/>
-          <p:cNvSpPr txBox="1"/>
-          <p:nvPr/>
-        </p:nvSpPr>
-        <p:spPr>
-          <a:xfrm>
-            <a:off x="11849375" y="7056909"/>
-            <a:ext cx="622068" cy="523220"/>
-          </a:xfrm>
-          <a:prstGeom prst="rect">
-            <a:avLst/>
-          </a:prstGeom>
-          <a:noFill/>
-        </p:spPr>
-        <p:txBody>
-          <a:bodyPr wrap="square" rtlCol="0">
-            <a:spAutoFit/>
-          </a:bodyPr>
-          <a:lstStyle/>
-          <a:p>
-            <a:r>
-              <a:rPr lang="en-US" altLang="zh-CN" sz="2800" dirty="0" smtClean="0">
-                <a:latin typeface="微软雅黑" panose="020B0503020204020204" pitchFamily="34" charset="-122"/>
-                <a:ea typeface="微软雅黑" panose="020B0503020204020204" pitchFamily="34" charset="-122"/>
-              </a:rPr>
-              <a:t>(c)</a:t>
-            </a:r>
-            <a:endParaRPr lang="zh-CN" altLang="en-US" sz="2800" dirty="0">
-              <a:latin typeface="微软雅黑" panose="020B0503020204020204" pitchFamily="34" charset="-122"/>
-              <a:ea typeface="微软雅黑" panose="020B0503020204020204" pitchFamily="34" charset="-122"/>
-            </a:endParaRPr>
-          </a:p>
-        </p:txBody>
-      </p:sp>
     </p:spTree>
     <p:extLst>
       <p:ext uri="{BB962C8B-B14F-4D97-AF65-F5344CB8AC3E}">
